--- a/Calendario2022/presentaciones/11_Strings.pptx
+++ b/Calendario2022/presentaciones/11_Strings.pptx
@@ -223,7 +223,7 @@
           <a:p>
             <a:fld id="{55C7BC42-2F9C-4966-894F-B6FA6F3C1DB8}" type="datetimeFigureOut">
               <a:rPr lang="es-MX" smtClean="0"/>
-              <a:t>15/10/2020</a:t>
+              <a:t>18/04/2022</a:t>
             </a:fld>
             <a:endParaRPr lang="es-MX" dirty="0"/>
           </a:p>
@@ -756,7 +756,7 @@
           <a:p>
             <a:fld id="{47016A6E-E1CA-4694-BCEE-11D49EEFA04C}" type="datetimeFigureOut">
               <a:rPr lang="es-MX" smtClean="0"/>
-              <a:t>15/10/2020</a:t>
+              <a:t>18/04/2022</a:t>
             </a:fld>
             <a:endParaRPr lang="es-MX" dirty="0"/>
           </a:p>
@@ -926,7 +926,7 @@
           <a:p>
             <a:fld id="{47016A6E-E1CA-4694-BCEE-11D49EEFA04C}" type="datetimeFigureOut">
               <a:rPr lang="es-MX" smtClean="0"/>
-              <a:t>15/10/2020</a:t>
+              <a:t>18/04/2022</a:t>
             </a:fld>
             <a:endParaRPr lang="es-MX" dirty="0"/>
           </a:p>
@@ -1106,7 +1106,7 @@
           <a:p>
             <a:fld id="{47016A6E-E1CA-4694-BCEE-11D49EEFA04C}" type="datetimeFigureOut">
               <a:rPr lang="es-MX" smtClean="0"/>
-              <a:t>15/10/2020</a:t>
+              <a:t>18/04/2022</a:t>
             </a:fld>
             <a:endParaRPr lang="es-MX" dirty="0"/>
           </a:p>
@@ -1259,7 +1259,7 @@
           <a:p>
             <a:fld id="{1D8BD707-D9CF-40AE-B4C6-C98DA3205C09}" type="datetimeFigureOut">
               <a:rPr lang="en-US" smtClean="0"/>
-              <a:t>10/15/2020</a:t>
+              <a:t>4/18/2022</a:t>
             </a:fld>
             <a:endParaRPr lang="en-US"/>
           </a:p>
@@ -1419,7 +1419,7 @@
           <a:p>
             <a:fld id="{47016A6E-E1CA-4694-BCEE-11D49EEFA04C}" type="datetimeFigureOut">
               <a:rPr lang="es-MX" smtClean="0"/>
-              <a:t>15/10/2020</a:t>
+              <a:t>18/04/2022</a:t>
             </a:fld>
             <a:endParaRPr lang="es-MX" dirty="0"/>
           </a:p>
@@ -1665,7 +1665,7 @@
           <a:p>
             <a:fld id="{47016A6E-E1CA-4694-BCEE-11D49EEFA04C}" type="datetimeFigureOut">
               <a:rPr lang="es-MX" smtClean="0"/>
-              <a:t>15/10/2020</a:t>
+              <a:t>18/04/2022</a:t>
             </a:fld>
             <a:endParaRPr lang="es-MX" dirty="0"/>
           </a:p>
@@ -1953,7 +1953,7 @@
           <a:p>
             <a:fld id="{47016A6E-E1CA-4694-BCEE-11D49EEFA04C}" type="datetimeFigureOut">
               <a:rPr lang="es-MX" smtClean="0"/>
-              <a:t>15/10/2020</a:t>
+              <a:t>18/04/2022</a:t>
             </a:fld>
             <a:endParaRPr lang="es-MX" dirty="0"/>
           </a:p>
@@ -2375,7 +2375,7 @@
           <a:p>
             <a:fld id="{47016A6E-E1CA-4694-BCEE-11D49EEFA04C}" type="datetimeFigureOut">
               <a:rPr lang="es-MX" smtClean="0"/>
-              <a:t>15/10/2020</a:t>
+              <a:t>18/04/2022</a:t>
             </a:fld>
             <a:endParaRPr lang="es-MX" dirty="0"/>
           </a:p>
@@ -2493,7 +2493,7 @@
           <a:p>
             <a:fld id="{47016A6E-E1CA-4694-BCEE-11D49EEFA04C}" type="datetimeFigureOut">
               <a:rPr lang="es-MX" smtClean="0"/>
-              <a:t>15/10/2020</a:t>
+              <a:t>18/04/2022</a:t>
             </a:fld>
             <a:endParaRPr lang="es-MX" dirty="0"/>
           </a:p>
@@ -2588,7 +2588,7 @@
           <a:p>
             <a:fld id="{47016A6E-E1CA-4694-BCEE-11D49EEFA04C}" type="datetimeFigureOut">
               <a:rPr lang="es-MX" smtClean="0"/>
-              <a:t>15/10/2020</a:t>
+              <a:t>18/04/2022</a:t>
             </a:fld>
             <a:endParaRPr lang="es-MX" dirty="0"/>
           </a:p>
@@ -2865,7 +2865,7 @@
           <a:p>
             <a:fld id="{47016A6E-E1CA-4694-BCEE-11D49EEFA04C}" type="datetimeFigureOut">
               <a:rPr lang="es-MX" smtClean="0"/>
-              <a:t>15/10/2020</a:t>
+              <a:t>18/04/2022</a:t>
             </a:fld>
             <a:endParaRPr lang="es-MX" dirty="0"/>
           </a:p>
@@ -3118,7 +3118,7 @@
           <a:p>
             <a:fld id="{47016A6E-E1CA-4694-BCEE-11D49EEFA04C}" type="datetimeFigureOut">
               <a:rPr lang="es-MX" smtClean="0"/>
-              <a:t>15/10/2020</a:t>
+              <a:t>18/04/2022</a:t>
             </a:fld>
             <a:endParaRPr lang="es-MX" dirty="0"/>
           </a:p>
@@ -3331,7 +3331,7 @@
           <a:p>
             <a:fld id="{47016A6E-E1CA-4694-BCEE-11D49EEFA04C}" type="datetimeFigureOut">
               <a:rPr lang="es-MX" smtClean="0"/>
-              <a:t>15/10/2020</a:t>
+              <a:t>18/04/2022</a:t>
             </a:fld>
             <a:endParaRPr lang="es-MX" dirty="0"/>
           </a:p>
@@ -3982,7 +3982,7 @@
           <p:nvPr>
             <p:extLst>
               <p:ext uri="{D42A27DB-BD31-4B8C-83A1-F6EECF244321}">
-                <p14:modId xmlns:p14="http://schemas.microsoft.com/office/powerpoint/2010/main" val="2689114534"/>
+                <p14:modId xmlns:p14="http://schemas.microsoft.com/office/powerpoint/2010/main" val="3434282450"/>
               </p:ext>
             </p:extLst>
           </p:nvPr>
@@ -4453,7 +4453,7 @@
                           <a:ea typeface="+mn-ea"/>
                           <a:cs typeface="+mn-cs"/>
                         </a:rPr>
-                        <a:t>Regresa una nueva cadena con el contenida de la cadena original con todos los caracteres en minúscula.</a:t>
+                        <a:t>Regresa una nueva cadena con el contenido de la cadena original con todos los caracteres en minúscula.</a:t>
                       </a:r>
                     </a:p>
                   </a:txBody>
@@ -4721,7 +4721,7 @@
                           <a:ea typeface="+mn-ea"/>
                           <a:cs typeface="+mn-cs"/>
                         </a:rPr>
-                        <a:t>Regresa una nueva cadena con el contenida de la cadena original con la primera letra en mayúscula</a:t>
+                        <a:t>Regresa una nueva cadena con el contenido de la cadena original con la primera letra en mayúscula</a:t>
                       </a:r>
                     </a:p>
                   </a:txBody>
